--- a/Later/Java_Later/JMS/4/JMS_Active_MQ_Setup.pptx
+++ b/Later/Java_Later/JMS/4/JMS_Active_MQ_Setup.pptx
@@ -8,7 +8,7 @@
     <p:notesMasterId r:id="rId3"/>
   </p:notesMasterIdLst>
   <p:sldIdLst>
-    <p:sldId id="457" r:id="rId2"/>
+    <p:sldId id="458" r:id="rId2"/>
   </p:sldIdLst>
   <p:sldSz cx="9144000" cy="5029200"/>
   <p:notesSz cx="6858000" cy="9144000"/>
@@ -192,7 +192,7 @@
           <a:p>
             <a:fld id="{62274EC6-3890-417B-9308-14EFBD00FA63}" type="datetimeFigureOut">
               <a:rPr lang="en-US" smtClean="0"/>
-              <a:t>1/14/2019</a:t>
+              <a:t>1/16/2019</a:t>
             </a:fld>
             <a:endParaRPr lang="en-US" dirty="0"/>
           </a:p>
@@ -731,7 +731,7 @@
             <a:fld id="{1D8BD707-D9CF-40AE-B4C6-C98DA3205C09}" type="datetimeFigureOut">
               <a:rPr lang="en-US" smtClean="0"/>
               <a:pPr/>
-              <a:t>1/14/2019</a:t>
+              <a:t>1/16/2019</a:t>
             </a:fld>
             <a:endParaRPr lang="en-US" dirty="0"/>
           </a:p>
@@ -903,7 +903,7 @@
             <a:fld id="{1D8BD707-D9CF-40AE-B4C6-C98DA3205C09}" type="datetimeFigureOut">
               <a:rPr lang="en-US" smtClean="0"/>
               <a:pPr/>
-              <a:t>1/14/2019</a:t>
+              <a:t>1/16/2019</a:t>
             </a:fld>
             <a:endParaRPr lang="en-US" dirty="0"/>
           </a:p>
@@ -1085,7 +1085,7 @@
             <a:fld id="{1D8BD707-D9CF-40AE-B4C6-C98DA3205C09}" type="datetimeFigureOut">
               <a:rPr lang="en-US" smtClean="0"/>
               <a:pPr/>
-              <a:t>1/14/2019</a:t>
+              <a:t>1/16/2019</a:t>
             </a:fld>
             <a:endParaRPr lang="en-US" dirty="0"/>
           </a:p>
@@ -1257,7 +1257,7 @@
             <a:fld id="{1D8BD707-D9CF-40AE-B4C6-C98DA3205C09}" type="datetimeFigureOut">
               <a:rPr lang="en-US" smtClean="0"/>
               <a:pPr/>
-              <a:t>1/14/2019</a:t>
+              <a:t>1/16/2019</a:t>
             </a:fld>
             <a:endParaRPr lang="en-US" dirty="0"/>
           </a:p>
@@ -1505,7 +1505,7 @@
             <a:fld id="{1D8BD707-D9CF-40AE-B4C6-C98DA3205C09}" type="datetimeFigureOut">
               <a:rPr lang="en-US" smtClean="0"/>
               <a:pPr/>
-              <a:t>1/14/2019</a:t>
+              <a:t>1/16/2019</a:t>
             </a:fld>
             <a:endParaRPr lang="en-US" dirty="0"/>
           </a:p>
@@ -1795,7 +1795,7 @@
             <a:fld id="{1D8BD707-D9CF-40AE-B4C6-C98DA3205C09}" type="datetimeFigureOut">
               <a:rPr lang="en-US" smtClean="0"/>
               <a:pPr/>
-              <a:t>1/14/2019</a:t>
+              <a:t>1/16/2019</a:t>
             </a:fld>
             <a:endParaRPr lang="en-US" dirty="0"/>
           </a:p>
@@ -2224,7 +2224,7 @@
             <a:fld id="{1D8BD707-D9CF-40AE-B4C6-C98DA3205C09}" type="datetimeFigureOut">
               <a:rPr lang="en-US" smtClean="0"/>
               <a:pPr/>
-              <a:t>1/14/2019</a:t>
+              <a:t>1/16/2019</a:t>
             </a:fld>
             <a:endParaRPr lang="en-US" dirty="0"/>
           </a:p>
@@ -2344,7 +2344,7 @@
             <a:fld id="{1D8BD707-D9CF-40AE-B4C6-C98DA3205C09}" type="datetimeFigureOut">
               <a:rPr lang="en-US" smtClean="0"/>
               <a:pPr/>
-              <a:t>1/14/2019</a:t>
+              <a:t>1/16/2019</a:t>
             </a:fld>
             <a:endParaRPr lang="en-US" dirty="0"/>
           </a:p>
@@ -2441,7 +2441,7 @@
             <a:fld id="{1D8BD707-D9CF-40AE-B4C6-C98DA3205C09}" type="datetimeFigureOut">
               <a:rPr lang="en-US" smtClean="0"/>
               <a:pPr/>
-              <a:t>1/14/2019</a:t>
+              <a:t>1/16/2019</a:t>
             </a:fld>
             <a:endParaRPr lang="en-US" dirty="0"/>
           </a:p>
@@ -2720,7 +2720,7 @@
             <a:fld id="{1D8BD707-D9CF-40AE-B4C6-C98DA3205C09}" type="datetimeFigureOut">
               <a:rPr lang="en-US" smtClean="0"/>
               <a:pPr/>
-              <a:t>1/14/2019</a:t>
+              <a:t>1/16/2019</a:t>
             </a:fld>
             <a:endParaRPr lang="en-US" dirty="0"/>
           </a:p>
@@ -2975,7 +2975,7 @@
             <a:fld id="{1D8BD707-D9CF-40AE-B4C6-C98DA3205C09}" type="datetimeFigureOut">
               <a:rPr lang="en-US" smtClean="0"/>
               <a:pPr/>
-              <a:t>1/14/2019</a:t>
+              <a:t>1/16/2019</a:t>
             </a:fld>
             <a:endParaRPr lang="en-US" dirty="0"/>
           </a:p>
@@ -3190,7 +3190,7 @@
             <a:fld id="{1D8BD707-D9CF-40AE-B4C6-C98DA3205C09}" type="datetimeFigureOut">
               <a:rPr lang="en-US" smtClean="0"/>
               <a:pPr/>
-              <a:t>1/14/2019</a:t>
+              <a:t>1/16/2019</a:t>
             </a:fld>
             <a:endParaRPr lang="en-US" dirty="0"/>
           </a:p>
@@ -3782,10 +3782,38 @@
           </a:p>
         </p:txBody>
       </p:sp>
+      <p:sp>
+        <p:nvSpPr>
+          <p:cNvPr id="4" name="Rectangle 3"/>
+          <p:cNvSpPr/>
+          <p:nvPr/>
+        </p:nvSpPr>
+        <p:spPr>
+          <a:xfrm>
+            <a:off x="762000" y="2191435"/>
+            <a:ext cx="7010400" cy="276999"/>
+          </a:xfrm>
+          <a:prstGeom prst="rect">
+            <a:avLst/>
+          </a:prstGeom>
+        </p:spPr>
+        <p:txBody>
+          <a:bodyPr wrap="square">
+            <a:spAutoFit/>
+          </a:bodyPr>
+          <a:lstStyle/>
+          <a:p>
+            <a:r>
+              <a:rPr lang="en-US" sz="1200" dirty="0"/>
+              <a:t>https://examples.javacodegeeks.com/enterprise-java/jms/apache-activemq-hello-world-example/</a:t>
+            </a:r>
+          </a:p>
+        </p:txBody>
+      </p:sp>
     </p:spTree>
     <p:extLst>
       <p:ext uri="{BB962C8B-B14F-4D97-AF65-F5344CB8AC3E}">
-        <p14:creationId xmlns:p14="http://schemas.microsoft.com/office/powerpoint/2010/main" val="840160051"/>
+        <p14:creationId xmlns:p14="http://schemas.microsoft.com/office/powerpoint/2010/main" val="2256306004"/>
       </p:ext>
     </p:extLst>
   </p:cSld>
